--- a/презентация.pptx
+++ b/презентация.pptx
@@ -8,7 +8,10 @@
     <p:sldId id="256" r:id="rId2"/>
     <p:sldId id="257" r:id="rId3"/>
     <p:sldId id="258" r:id="rId4"/>
-    <p:sldId id="259" r:id="rId5"/>
+    <p:sldId id="260" r:id="rId5"/>
+    <p:sldId id="261" r:id="rId6"/>
+    <p:sldId id="262" r:id="rId7"/>
+    <p:sldId id="259" r:id="rId8"/>
   </p:sldIdLst>
   <p:sldSz cx="12192000" cy="6858000"/>
   <p:notesSz cx="6858000" cy="9144000"/>
@@ -269,7 +272,7 @@
           <a:p>
             <a:fld id="{2E6C2E50-5049-4F05-B1B0-13F6E3B1A0B2}" type="datetimeFigureOut">
               <a:rPr lang="ru-RU" smtClean="0"/>
-              <a:t>12.04.2024</a:t>
+              <a:t>15.04.2024</a:t>
             </a:fld>
             <a:endParaRPr lang="ru-RU"/>
           </a:p>
@@ -439,7 +442,7 @@
           <a:p>
             <a:fld id="{2E6C2E50-5049-4F05-B1B0-13F6E3B1A0B2}" type="datetimeFigureOut">
               <a:rPr lang="ru-RU" smtClean="0"/>
-              <a:t>12.04.2024</a:t>
+              <a:t>15.04.2024</a:t>
             </a:fld>
             <a:endParaRPr lang="ru-RU"/>
           </a:p>
@@ -619,7 +622,7 @@
           <a:p>
             <a:fld id="{2E6C2E50-5049-4F05-B1B0-13F6E3B1A0B2}" type="datetimeFigureOut">
               <a:rPr lang="ru-RU" smtClean="0"/>
-              <a:t>12.04.2024</a:t>
+              <a:t>15.04.2024</a:t>
             </a:fld>
             <a:endParaRPr lang="ru-RU"/>
           </a:p>
@@ -789,7 +792,7 @@
           <a:p>
             <a:fld id="{2E6C2E50-5049-4F05-B1B0-13F6E3B1A0B2}" type="datetimeFigureOut">
               <a:rPr lang="ru-RU" smtClean="0"/>
-              <a:t>12.04.2024</a:t>
+              <a:t>15.04.2024</a:t>
             </a:fld>
             <a:endParaRPr lang="ru-RU"/>
           </a:p>
@@ -1035,7 +1038,7 @@
           <a:p>
             <a:fld id="{2E6C2E50-5049-4F05-B1B0-13F6E3B1A0B2}" type="datetimeFigureOut">
               <a:rPr lang="ru-RU" smtClean="0"/>
-              <a:t>12.04.2024</a:t>
+              <a:t>15.04.2024</a:t>
             </a:fld>
             <a:endParaRPr lang="ru-RU"/>
           </a:p>
@@ -1267,7 +1270,7 @@
           <a:p>
             <a:fld id="{2E6C2E50-5049-4F05-B1B0-13F6E3B1A0B2}" type="datetimeFigureOut">
               <a:rPr lang="ru-RU" smtClean="0"/>
-              <a:t>12.04.2024</a:t>
+              <a:t>15.04.2024</a:t>
             </a:fld>
             <a:endParaRPr lang="ru-RU"/>
           </a:p>
@@ -1634,7 +1637,7 @@
           <a:p>
             <a:fld id="{2E6C2E50-5049-4F05-B1B0-13F6E3B1A0B2}" type="datetimeFigureOut">
               <a:rPr lang="ru-RU" smtClean="0"/>
-              <a:t>12.04.2024</a:t>
+              <a:t>15.04.2024</a:t>
             </a:fld>
             <a:endParaRPr lang="ru-RU"/>
           </a:p>
@@ -1752,7 +1755,7 @@
           <a:p>
             <a:fld id="{2E6C2E50-5049-4F05-B1B0-13F6E3B1A0B2}" type="datetimeFigureOut">
               <a:rPr lang="ru-RU" smtClean="0"/>
-              <a:t>12.04.2024</a:t>
+              <a:t>15.04.2024</a:t>
             </a:fld>
             <a:endParaRPr lang="ru-RU"/>
           </a:p>
@@ -1847,7 +1850,7 @@
           <a:p>
             <a:fld id="{2E6C2E50-5049-4F05-B1B0-13F6E3B1A0B2}" type="datetimeFigureOut">
               <a:rPr lang="ru-RU" smtClean="0"/>
-              <a:t>12.04.2024</a:t>
+              <a:t>15.04.2024</a:t>
             </a:fld>
             <a:endParaRPr lang="ru-RU"/>
           </a:p>
@@ -2124,7 +2127,7 @@
           <a:p>
             <a:fld id="{2E6C2E50-5049-4F05-B1B0-13F6E3B1A0B2}" type="datetimeFigureOut">
               <a:rPr lang="ru-RU" smtClean="0"/>
-              <a:t>12.04.2024</a:t>
+              <a:t>15.04.2024</a:t>
             </a:fld>
             <a:endParaRPr lang="ru-RU"/>
           </a:p>
@@ -2377,7 +2380,7 @@
           <a:p>
             <a:fld id="{2E6C2E50-5049-4F05-B1B0-13F6E3B1A0B2}" type="datetimeFigureOut">
               <a:rPr lang="ru-RU" smtClean="0"/>
-              <a:t>12.04.2024</a:t>
+              <a:t>15.04.2024</a:t>
             </a:fld>
             <a:endParaRPr lang="ru-RU"/>
           </a:p>
@@ -2590,7 +2593,7 @@
           <a:p>
             <a:fld id="{2E6C2E50-5049-4F05-B1B0-13F6E3B1A0B2}" type="datetimeFigureOut">
               <a:rPr lang="ru-RU" smtClean="0"/>
-              <a:t>12.04.2024</a:t>
+              <a:t>15.04.2024</a:t>
             </a:fld>
             <a:endParaRPr lang="ru-RU"/>
           </a:p>
@@ -3165,11 +3168,7 @@
             </a:r>
             <a:r>
               <a:rPr lang="ru-RU" sz="3600" dirty="0" smtClean="0"/>
-              <a:t>ЕГЭ</a:t>
-            </a:r>
-            <a:r>
-              <a:rPr lang="ru-RU" sz="3600" dirty="0" smtClean="0"/>
-              <a:t>.</a:t>
+              <a:t>ЕГЭ.</a:t>
             </a:r>
             <a:endParaRPr lang="en-US" sz="3600" dirty="0" smtClean="0"/>
           </a:p>
@@ -3192,15 +3191,7 @@
             </a:r>
             <a:r>
               <a:rPr lang="ru-RU" sz="3600" dirty="0" smtClean="0"/>
-              <a:t> </a:t>
-            </a:r>
-            <a:r>
-              <a:rPr lang="ru-RU" sz="3600" dirty="0" smtClean="0"/>
-              <a:t>Подготовка к ЕГЭ</a:t>
-            </a:r>
-            <a:r>
-              <a:rPr lang="ru-RU" sz="3600" dirty="0" smtClean="0"/>
-              <a:t>.</a:t>
+              <a:t> Подготовка к ЕГЭ.</a:t>
             </a:r>
             <a:endParaRPr lang="ru-RU" sz="3600" dirty="0"/>
           </a:p>
@@ -3291,17 +3282,12 @@
           <a:p>
             <a:r>
               <a:rPr lang="ru-RU" sz="3600" dirty="0" smtClean="0"/>
-              <a:t>Структура и особенности </a:t>
-            </a:r>
-            <a:r>
-              <a:rPr lang="ru-RU" sz="3600" dirty="0" smtClean="0"/>
-              <a:t>бота</a:t>
+              <a:t>Структура и особенности бота</a:t>
             </a:r>
             <a:r>
               <a:rPr lang="en-US" sz="3600" dirty="0" smtClean="0"/>
               <a:t>:</a:t>
             </a:r>
-            <a:endParaRPr lang="en-US" sz="3600" dirty="0" smtClean="0"/>
           </a:p>
           <a:p>
             <a:r>
@@ -3319,20 +3305,6 @@
             <a:r>
               <a:rPr lang="ru-RU" dirty="0"/>
               <a:t>- Выдающиеся информация по номеру</a:t>
-            </a:r>
-          </a:p>
-          <a:p>
-            <a:r>
-              <a:rPr lang="ru-RU" dirty="0"/>
-              <a:t>- Хранение данных (</a:t>
-            </a:r>
-            <a:r>
-              <a:rPr lang="ru-RU" dirty="0" err="1"/>
-              <a:t>txt</a:t>
-            </a:r>
-            <a:r>
-              <a:rPr lang="ru-RU" dirty="0"/>
-              <a:t>)</a:t>
             </a:r>
           </a:p>
           <a:p>
@@ -3364,11 +3336,7 @@
             </a:r>
             <a:r>
               <a:rPr lang="en-US" sz="3200" dirty="0" smtClean="0"/>
-              <a:t> Community Edition </a:t>
-            </a:r>
-            <a:r>
-              <a:rPr lang="en-US" sz="3200" dirty="0" smtClean="0"/>
-              <a:t>2023.2.1</a:t>
+              <a:t> Community Edition 2023.2.1</a:t>
             </a:r>
             <a:endParaRPr lang="ru-RU" sz="3200" dirty="0" smtClean="0"/>
           </a:p>
@@ -3423,6 +3391,321 @@
         </p:nvSpPr>
         <p:spPr/>
         <p:txBody>
+          <a:bodyPr/>
+          <a:lstStyle/>
+          <a:p>
+            <a:r>
+              <a:rPr lang="ru-RU" dirty="0" smtClean="0"/>
+              <a:t>Меню</a:t>
+            </a:r>
+            <a:endParaRPr lang="ru-RU" dirty="0"/>
+          </a:p>
+        </p:txBody>
+      </p:sp>
+      <p:sp>
+        <p:nvSpPr>
+          <p:cNvPr id="3" name="Объект 2"/>
+          <p:cNvSpPr>
+            <a:spLocks noGrp="1"/>
+          </p:cNvSpPr>
+          <p:nvPr>
+            <p:ph idx="1"/>
+          </p:nvPr>
+        </p:nvSpPr>
+        <p:spPr>
+          <a:xfrm>
+            <a:off x="838199" y="1825625"/>
+            <a:ext cx="5919651" cy="1440089"/>
+          </a:xfrm>
+        </p:spPr>
+        <p:txBody>
+          <a:bodyPr/>
+          <a:lstStyle/>
+          <a:p>
+            <a:r>
+              <a:rPr lang="ru-RU" dirty="0" smtClean="0"/>
+              <a:t>Здесь пользователь выбирает предмет</a:t>
+            </a:r>
+            <a:endParaRPr lang="ru-RU" dirty="0"/>
+          </a:p>
+        </p:txBody>
+      </p:sp>
+      <p:pic>
+        <p:nvPicPr>
+          <p:cNvPr id="4" name="Рисунок 3"/>
+          <p:cNvPicPr>
+            <a:picLocks noChangeAspect="1"/>
+          </p:cNvPicPr>
+          <p:nvPr/>
+        </p:nvPicPr>
+        <p:blipFill>
+          <a:blip r:embed="rId2"/>
+          <a:stretch>
+            <a:fillRect/>
+          </a:stretch>
+        </p:blipFill>
+        <p:spPr>
+          <a:xfrm>
+            <a:off x="0" y="3831334"/>
+            <a:ext cx="12192000" cy="2069161"/>
+          </a:xfrm>
+          <a:prstGeom prst="rect">
+            <a:avLst/>
+          </a:prstGeom>
+        </p:spPr>
+      </p:pic>
+    </p:spTree>
+    <p:extLst>
+      <p:ext uri="{BB962C8B-B14F-4D97-AF65-F5344CB8AC3E}">
+        <p14:creationId xmlns:p14="http://schemas.microsoft.com/office/powerpoint/2010/main" val="695013724"/>
+      </p:ext>
+    </p:extLst>
+  </p:cSld>
+  <p:clrMapOvr>
+    <a:masterClrMapping/>
+  </p:clrMapOvr>
+</p:sld>
+</file>
+
+<file path=ppt/slides/slide5.xml><?xml version="1.0" encoding="utf-8"?>
+<p:sld xmlns:a="http://schemas.openxmlformats.org/drawingml/2006/main" xmlns:r="http://schemas.openxmlformats.org/officeDocument/2006/relationships" xmlns:p="http://schemas.openxmlformats.org/presentationml/2006/main">
+  <p:cSld>
+    <p:spTree>
+      <p:nvGrpSpPr>
+        <p:cNvPr id="1" name=""/>
+        <p:cNvGrpSpPr/>
+        <p:nvPr/>
+      </p:nvGrpSpPr>
+      <p:grpSpPr>
+        <a:xfrm>
+          <a:off x="0" y="0"/>
+          <a:ext cx="0" cy="0"/>
+          <a:chOff x="0" y="0"/>
+          <a:chExt cx="0" cy="0"/>
+        </a:xfrm>
+      </p:grpSpPr>
+      <p:sp>
+        <p:nvSpPr>
+          <p:cNvPr id="2" name="Заголовок 1"/>
+          <p:cNvSpPr>
+            <a:spLocks noGrp="1"/>
+          </p:cNvSpPr>
+          <p:nvPr>
+            <p:ph type="title"/>
+          </p:nvPr>
+        </p:nvSpPr>
+        <p:spPr/>
+        <p:txBody>
+          <a:bodyPr/>
+          <a:lstStyle/>
+          <a:p>
+            <a:r>
+              <a:rPr lang="ru-RU" dirty="0" smtClean="0"/>
+              <a:t>Меню выбора номера</a:t>
+            </a:r>
+            <a:endParaRPr lang="ru-RU" dirty="0"/>
+          </a:p>
+        </p:txBody>
+      </p:sp>
+      <p:sp>
+        <p:nvSpPr>
+          <p:cNvPr id="3" name="Объект 2"/>
+          <p:cNvSpPr>
+            <a:spLocks noGrp="1"/>
+          </p:cNvSpPr>
+          <p:nvPr>
+            <p:ph idx="1"/>
+          </p:nvPr>
+        </p:nvSpPr>
+        <p:spPr>
+          <a:xfrm>
+            <a:off x="838200" y="1825625"/>
+            <a:ext cx="6389914" cy="961118"/>
+          </a:xfrm>
+        </p:spPr>
+        <p:txBody>
+          <a:bodyPr/>
+          <a:lstStyle/>
+          <a:p>
+            <a:r>
+              <a:rPr lang="ru-RU" dirty="0" smtClean="0"/>
+              <a:t>Здесь пользователь выбирает нужный ему номер</a:t>
+            </a:r>
+            <a:endParaRPr lang="ru-RU" dirty="0"/>
+          </a:p>
+        </p:txBody>
+      </p:sp>
+      <p:pic>
+        <p:nvPicPr>
+          <p:cNvPr id="4" name="Рисунок 3"/>
+          <p:cNvPicPr>
+            <a:picLocks noChangeAspect="1"/>
+          </p:cNvPicPr>
+          <p:nvPr/>
+        </p:nvPicPr>
+        <p:blipFill>
+          <a:blip r:embed="rId2"/>
+          <a:stretch>
+            <a:fillRect/>
+          </a:stretch>
+        </p:blipFill>
+        <p:spPr>
+          <a:xfrm>
+            <a:off x="650483" y="2847205"/>
+            <a:ext cx="10703317" cy="4010795"/>
+          </a:xfrm>
+          <a:prstGeom prst="rect">
+            <a:avLst/>
+          </a:prstGeom>
+        </p:spPr>
+      </p:pic>
+    </p:spTree>
+    <p:extLst>
+      <p:ext uri="{BB962C8B-B14F-4D97-AF65-F5344CB8AC3E}">
+        <p14:creationId xmlns:p14="http://schemas.microsoft.com/office/powerpoint/2010/main" val="1385122342"/>
+      </p:ext>
+    </p:extLst>
+  </p:cSld>
+  <p:clrMapOvr>
+    <a:masterClrMapping/>
+  </p:clrMapOvr>
+</p:sld>
+</file>
+
+<file path=ppt/slides/slide6.xml><?xml version="1.0" encoding="utf-8"?>
+<p:sld xmlns:a="http://schemas.openxmlformats.org/drawingml/2006/main" xmlns:r="http://schemas.openxmlformats.org/officeDocument/2006/relationships" xmlns:p="http://schemas.openxmlformats.org/presentationml/2006/main">
+  <p:cSld>
+    <p:spTree>
+      <p:nvGrpSpPr>
+        <p:cNvPr id="1" name=""/>
+        <p:cNvGrpSpPr/>
+        <p:nvPr/>
+      </p:nvGrpSpPr>
+      <p:grpSpPr>
+        <a:xfrm>
+          <a:off x="0" y="0"/>
+          <a:ext cx="0" cy="0"/>
+          <a:chOff x="0" y="0"/>
+          <a:chExt cx="0" cy="0"/>
+        </a:xfrm>
+      </p:grpSpPr>
+      <p:sp>
+        <p:nvSpPr>
+          <p:cNvPr id="2" name="Заголовок 1"/>
+          <p:cNvSpPr>
+            <a:spLocks noGrp="1"/>
+          </p:cNvSpPr>
+          <p:nvPr>
+            <p:ph type="title"/>
+          </p:nvPr>
+        </p:nvSpPr>
+        <p:spPr/>
+        <p:txBody>
+          <a:bodyPr/>
+          <a:lstStyle/>
+          <a:p>
+            <a:r>
+              <a:rPr lang="ru-RU" dirty="0" smtClean="0"/>
+              <a:t>Кнопка назад</a:t>
+            </a:r>
+            <a:endParaRPr lang="ru-RU" dirty="0"/>
+          </a:p>
+        </p:txBody>
+      </p:sp>
+      <p:sp>
+        <p:nvSpPr>
+          <p:cNvPr id="3" name="Объект 2"/>
+          <p:cNvSpPr>
+            <a:spLocks noGrp="1"/>
+          </p:cNvSpPr>
+          <p:nvPr>
+            <p:ph idx="1"/>
+          </p:nvPr>
+        </p:nvSpPr>
+        <p:spPr>
+          <a:xfrm>
+            <a:off x="838200" y="1825625"/>
+            <a:ext cx="7469777" cy="926284"/>
+          </a:xfrm>
+        </p:spPr>
+        <p:txBody>
+          <a:bodyPr/>
+          <a:lstStyle/>
+          <a:p>
+            <a:r>
+              <a:rPr lang="ru-RU" dirty="0" smtClean="0"/>
+              <a:t>При нажатии на кнопку назад пользователь возвращается обратно</a:t>
+            </a:r>
+            <a:endParaRPr lang="ru-RU" dirty="0"/>
+          </a:p>
+        </p:txBody>
+      </p:sp>
+      <p:pic>
+        <p:nvPicPr>
+          <p:cNvPr id="4" name="Рисунок 3"/>
+          <p:cNvPicPr>
+            <a:picLocks noChangeAspect="1"/>
+          </p:cNvPicPr>
+          <p:nvPr/>
+        </p:nvPicPr>
+        <p:blipFill>
+          <a:blip r:embed="rId2"/>
+          <a:stretch>
+            <a:fillRect/>
+          </a:stretch>
+        </p:blipFill>
+        <p:spPr>
+          <a:xfrm>
+            <a:off x="1323702" y="2751909"/>
+            <a:ext cx="9544595" cy="3756395"/>
+          </a:xfrm>
+          <a:prstGeom prst="rect">
+            <a:avLst/>
+          </a:prstGeom>
+        </p:spPr>
+      </p:pic>
+    </p:spTree>
+    <p:extLst>
+      <p:ext uri="{BB962C8B-B14F-4D97-AF65-F5344CB8AC3E}">
+        <p14:creationId xmlns:p14="http://schemas.microsoft.com/office/powerpoint/2010/main" val="2072208754"/>
+      </p:ext>
+    </p:extLst>
+  </p:cSld>
+  <p:clrMapOvr>
+    <a:masterClrMapping/>
+  </p:clrMapOvr>
+</p:sld>
+</file>
+
+<file path=ppt/slides/slide7.xml><?xml version="1.0" encoding="utf-8"?>
+<p:sld xmlns:a="http://schemas.openxmlformats.org/drawingml/2006/main" xmlns:r="http://schemas.openxmlformats.org/officeDocument/2006/relationships" xmlns:p="http://schemas.openxmlformats.org/presentationml/2006/main">
+  <p:cSld>
+    <p:spTree>
+      <p:nvGrpSpPr>
+        <p:cNvPr id="1" name=""/>
+        <p:cNvGrpSpPr/>
+        <p:nvPr/>
+      </p:nvGrpSpPr>
+      <p:grpSpPr>
+        <a:xfrm>
+          <a:off x="0" y="0"/>
+          <a:ext cx="0" cy="0"/>
+          <a:chOff x="0" y="0"/>
+          <a:chExt cx="0" cy="0"/>
+        </a:xfrm>
+      </p:grpSpPr>
+      <p:sp>
+        <p:nvSpPr>
+          <p:cNvPr id="2" name="Заголовок 1"/>
+          <p:cNvSpPr>
+            <a:spLocks noGrp="1"/>
+          </p:cNvSpPr>
+          <p:nvPr>
+            <p:ph type="title"/>
+          </p:nvPr>
+        </p:nvSpPr>
+        <p:spPr/>
+        <p:txBody>
           <a:bodyPr>
             <a:normAutofit/>
           </a:bodyPr>
@@ -3463,27 +3746,11 @@
             </a:r>
             <a:r>
               <a:rPr lang="ru-RU" sz="3600" dirty="0" smtClean="0"/>
-              <a:t>Основной функционал </a:t>
-            </a:r>
-            <a:r>
-              <a:rPr lang="ru-RU" sz="3600" dirty="0" smtClean="0"/>
-              <a:t>бота </a:t>
-            </a:r>
-            <a:r>
-              <a:rPr lang="ru-RU" sz="3600" dirty="0" smtClean="0"/>
-              <a:t>реализован и готов к использованию, но также присутствует возможность и для дальнейшего </a:t>
+              <a:t>Основной функционал бота реализован и готов к использованию, но также присутствует возможность и для дальнейшего </a:t>
             </a:r>
             <a:r>
               <a:rPr lang="ru-RU" sz="3600" smtClean="0"/>
-              <a:t>развития </a:t>
-            </a:r>
-            <a:r>
-              <a:rPr lang="ru-RU" sz="3600" smtClean="0"/>
-              <a:t>бота</a:t>
-            </a:r>
-            <a:r>
-              <a:rPr lang="ru-RU" sz="3600" smtClean="0"/>
-              <a:t>.</a:t>
+              <a:t>развития бота.</a:t>
             </a:r>
             <a:endParaRPr lang="ru-RU" sz="3600" dirty="0"/>
           </a:p>
